--- a/Presentation/TSLA deck.pptx
+++ b/Presentation/TSLA deck.pptx
@@ -248,7 +248,7 @@
           <a:p>
             <a:fld id="{DD4DD772-7209-C245-981A-1A2440230A0C}" type="datetimeFigureOut">
               <a:rPr lang="en-US" smtClean="0"/>
-              <a:t>11/12/2020</a:t>
+              <a:t>11/19/2020</a:t>
             </a:fld>
             <a:endParaRPr lang="en-US" dirty="0"/>
           </a:p>
@@ -3885,7 +3885,7 @@
           <a:p>
             <a:fld id="{74E3DBE9-5838-4F76-9364-D1D296611DE3}" type="datetime1">
               <a:rPr lang="fr-FR" altLang="zh-CN" smtClean="0"/>
-              <a:t>12/11/2020</a:t>
+              <a:t>19/11/2020</a:t>
             </a:fld>
             <a:endParaRPr lang="fr-FR" dirty="0"/>
           </a:p>
@@ -4182,7 +4182,7 @@
           <a:p>
             <a:fld id="{0BA9FFE5-A643-4B62-BF2B-5FE6DE605367}" type="datetime1">
               <a:rPr lang="fr-FR" altLang="zh-CN" smtClean="0"/>
-              <a:t>12/11/2020</a:t>
+              <a:t>19/11/2020</a:t>
             </a:fld>
             <a:endParaRPr lang="en-US" dirty="0"/>
           </a:p>
@@ -4284,7 +4284,7 @@
           <a:graphicData uri="http://schemas.openxmlformats.org/presentationml/2006/ole">
             <mc:AlternateContent xmlns:mc="http://schemas.openxmlformats.org/markup-compatibility/2006">
               <mc:Choice xmlns:v="urn:schemas-microsoft-com:vml" Requires="v">
-                <p:oleObj spid="_x0000_s4221" name="think-cell 幻灯片" r:id="rId4" imgW="5715" imgH="5715" progId="TCLayout.ActiveDocument.1">
+                <p:oleObj spid="_x0000_s4224" name="think-cell 幻灯片" r:id="rId4" imgW="5715" imgH="5715" progId="TCLayout.ActiveDocument.1">
                   <p:embed/>
                 </p:oleObj>
               </mc:Choice>
@@ -4489,7 +4489,7 @@
           <a:p>
             <a:fld id="{0BA9FFE5-A643-4B62-BF2B-5FE6DE605367}" type="datetime1">
               <a:rPr lang="fr-FR" altLang="zh-CN" smtClean="0"/>
-              <a:t>12/11/2020</a:t>
+              <a:t>19/11/2020</a:t>
             </a:fld>
             <a:endParaRPr lang="en-US" dirty="0"/>
           </a:p>
@@ -6135,7 +6135,7 @@
               <a:rPr lang="en-CA" altLang="zh-TW" dirty="0">
                 <a:sym typeface="Arial"/>
               </a:rPr>
-              <a:t>Long-term Solvency</a:t>
+              <a:t>Leverage Analysis</a:t>
             </a:r>
             <a:endParaRPr lang="zh-TW" altLang="en-US" dirty="0">
               <a:sym typeface="Arial"/>
@@ -10138,7 +10138,7 @@
           <a:graphicData uri="http://schemas.openxmlformats.org/presentationml/2006/ole">
             <mc:AlternateContent xmlns:mc="http://schemas.openxmlformats.org/markup-compatibility/2006">
               <mc:Choice xmlns:v="urn:schemas-microsoft-com:vml" Requires="v">
-                <p:oleObj spid="_x0000_s3232" name="think-cell 幻灯片" r:id="rId5" imgW="5715" imgH="5715" progId="TCLayout.ActiveDocument.1">
+                <p:oleObj spid="_x0000_s3235" name="think-cell 幻灯片" r:id="rId5" imgW="5715" imgH="5715" progId="TCLayout.ActiveDocument.1">
                   <p:embed/>
                 </p:oleObj>
               </mc:Choice>
@@ -12320,7 +12320,7 @@
           <a:graphicData uri="http://schemas.openxmlformats.org/presentationml/2006/ole">
             <mc:AlternateContent xmlns:mc="http://schemas.openxmlformats.org/markup-compatibility/2006">
               <mc:Choice xmlns:v="urn:schemas-microsoft-com:vml" Requires="v">
-                <p:oleObj spid="_x0000_s1392" name="think-cell 幻灯片" r:id="rId5" imgW="5715" imgH="5715" progId="TCLayout.ActiveDocument.1">
+                <p:oleObj spid="_x0000_s1395" name="think-cell 幻灯片" r:id="rId5" imgW="5715" imgH="5715" progId="TCLayout.ActiveDocument.1">
                   <p:embed/>
                 </p:oleObj>
               </mc:Choice>
@@ -14062,7 +14062,7 @@
           <a:graphicData uri="http://schemas.openxmlformats.org/presentationml/2006/ole">
             <mc:AlternateContent xmlns:mc="http://schemas.openxmlformats.org/markup-compatibility/2006">
               <mc:Choice xmlns:v="urn:schemas-microsoft-com:vml" Requires="v">
-                <p:oleObj spid="_x0000_s6269" name="think-cell 幻灯片" r:id="rId6" imgW="5715" imgH="5715" progId="TCLayout.ActiveDocument.1">
+                <p:oleObj spid="_x0000_s6272" name="think-cell 幻灯片" r:id="rId6" imgW="5715" imgH="5715" progId="TCLayout.ActiveDocument.1">
                   <p:embed/>
                 </p:oleObj>
               </mc:Choice>
@@ -29771,7 +29771,7 @@
         <p:spPr>
           <a:xfrm>
             <a:off x="8500796" y="1759816"/>
-            <a:ext cx="3528000" cy="3724096"/>
+            <a:ext cx="3528000" cy="4632037"/>
           </a:xfrm>
           <a:prstGeom prst="rect">
             <a:avLst/>
@@ -29846,6 +29846,23 @@
             <a:r>
               <a:rPr lang="en-CA" dirty="0"/>
               <a:t>Average Capex from FY2016 to 2020 LTM is $2,237.4 M</a:t>
+            </a:r>
+          </a:p>
+          <a:p>
+            <a:pPr marL="285750" indent="-285750">
+              <a:spcBef>
+                <a:spcPts val="600"/>
+              </a:spcBef>
+              <a:buFont typeface="Arial" panose="020B0604020202020204" pitchFamily="34" charset="0"/>
+              <a:buChar char="•"/>
+            </a:pPr>
+            <a:r>
+              <a:rPr lang="en-CA" dirty="0">
+                <a:solidFill>
+                  <a:srgbClr val="FF0000"/>
+                </a:solidFill>
+              </a:rPr>
+              <a:t>High leverage leads to increasing Revenue and EBITDA CAGR</a:t>
             </a:r>
           </a:p>
         </p:txBody>
